--- a/e2e/test.pptx
+++ b/e2e/test.pptx
@@ -3104,7 +3104,7 @@
           <a:lstStyle/>
           <a:p>
             <a:r>
-              <a:t>Test Slide</a:t>
+              <a:t>Test Presentation</a:t>
             </a:r>
           </a:p>
         </p:txBody>
